--- a/paper/ANN (1).pptx
+++ b/paper/ANN (1).pptx
@@ -6,7 +6,8 @@
   </p:sldMasterIdLst>
   <p:sldIdLst>
     <p:sldId id="272" r:id="rId2"/>
-    <p:sldId id="273" r:id="rId3"/>
+    <p:sldId id="274" r:id="rId3"/>
+    <p:sldId id="273" r:id="rId4"/>
   </p:sldIdLst>
   <p:sldSz cx="12192000" cy="6858000"/>
   <p:notesSz cx="6858000" cy="9144000"/>
@@ -3327,8 +3328,8 @@
           <a:chExt cx="0" cy="0"/>
         </a:xfrm>
       </p:grpSpPr>
-      <mc:AlternateContent xmlns:mc="http://schemas.openxmlformats.org/markup-compatibility/2006">
-        <mc:Choice xmlns:a14="http://schemas.microsoft.com/office/drawing/2010/main" Requires="a14">
+      <mc:AlternateContent xmlns:mc="http://schemas.openxmlformats.org/markup-compatibility/2006" xmlns:a14="http://schemas.microsoft.com/office/drawing/2010/main">
+        <mc:Choice Requires="a14">
           <p:sp>
             <p:nvSpPr>
               <p:cNvPr id="869" name="TextBox 868">
@@ -3368,7 +3369,7 @@
               </a:lstStyle>
               <a:p>
                 <a:r>
-                  <a:rPr lang="en-US" dirty="0" smtClean="0"/>
+                  <a:rPr lang="en-US" dirty="0"/>
                   <a:t>Input Layer (</a:t>
                 </a:r>
                 <a14:m>
@@ -3453,18 +3454,14 @@
                   </m:oMath>
                 </a14:m>
                 <a:r>
-                  <a:rPr lang="en-US" dirty="0" smtClean="0"/>
-                  <a:t>Neurons</a:t>
-                </a:r>
-                <a:r>
                   <a:rPr lang="en-US" dirty="0"/>
-                  <a:t>)</a:t>
+                  <a:t>Neurons)</a:t>
                 </a:r>
               </a:p>
             </p:txBody>
           </p:sp>
         </mc:Choice>
-        <mc:Fallback>
+        <mc:Fallback xmlns="">
           <p:sp>
             <p:nvSpPr>
               <p:cNvPr id="869" name="TextBox 868">
@@ -3543,21 +3540,7 @@
                 <a:latin typeface="Times New Roman" panose="02020603050405020304" pitchFamily="18" charset="0"/>
                 <a:cs typeface="Times New Roman" panose="02020603050405020304" pitchFamily="18" charset="0"/>
               </a:rPr>
-              <a:t>Hidden Layer 1 </a:t>
-            </a:r>
-            <a:r>
-              <a:rPr lang="en-US" sz="1600" dirty="0" smtClean="0">
-                <a:latin typeface="Times New Roman" panose="02020603050405020304" pitchFamily="18" charset="0"/>
-                <a:cs typeface="Times New Roman" panose="02020603050405020304" pitchFamily="18" charset="0"/>
-              </a:rPr>
-              <a:t>(64 </a:t>
-            </a:r>
-            <a:r>
-              <a:rPr lang="en-US" sz="1600" dirty="0">
-                <a:latin typeface="Times New Roman" panose="02020603050405020304" pitchFamily="18" charset="0"/>
-                <a:cs typeface="Times New Roman" panose="02020603050405020304" pitchFamily="18" charset="0"/>
-              </a:rPr>
-              <a:t>Neurons)</a:t>
+              <a:t>Hidden Layer 1 (64 Neurons)</a:t>
             </a:r>
           </a:p>
         </p:txBody>
@@ -3596,21 +3579,7 @@
                 <a:latin typeface="Times New Roman" panose="02020603050405020304" pitchFamily="18" charset="0"/>
                 <a:cs typeface="Times New Roman" panose="02020603050405020304" pitchFamily="18" charset="0"/>
               </a:rPr>
-              <a:t>Hidden Layer 2 </a:t>
-            </a:r>
-            <a:r>
-              <a:rPr lang="en-US" sz="1600" dirty="0" smtClean="0">
-                <a:latin typeface="Times New Roman" panose="02020603050405020304" pitchFamily="18" charset="0"/>
-                <a:cs typeface="Times New Roman" panose="02020603050405020304" pitchFamily="18" charset="0"/>
-              </a:rPr>
-              <a:t>(128 </a:t>
-            </a:r>
-            <a:r>
-              <a:rPr lang="en-US" sz="1600" dirty="0">
-                <a:latin typeface="Times New Roman" panose="02020603050405020304" pitchFamily="18" charset="0"/>
-                <a:cs typeface="Times New Roman" panose="02020603050405020304" pitchFamily="18" charset="0"/>
-              </a:rPr>
-              <a:t>Neurons)</a:t>
+              <a:t>Hidden Layer 2 (128 Neurons)</a:t>
             </a:r>
           </a:p>
         </p:txBody>
@@ -3649,21 +3618,7 @@
                 <a:latin typeface="Times New Roman" panose="02020603050405020304" pitchFamily="18" charset="0"/>
                 <a:cs typeface="Times New Roman" panose="02020603050405020304" pitchFamily="18" charset="0"/>
               </a:rPr>
-              <a:t>Hidden Layer 3 </a:t>
-            </a:r>
-            <a:r>
-              <a:rPr lang="en-US" sz="1600" dirty="0" smtClean="0">
-                <a:latin typeface="Times New Roman" panose="02020603050405020304" pitchFamily="18" charset="0"/>
-                <a:cs typeface="Times New Roman" panose="02020603050405020304" pitchFamily="18" charset="0"/>
-              </a:rPr>
-              <a:t>(32 </a:t>
-            </a:r>
-            <a:r>
-              <a:rPr lang="en-US" sz="1600" dirty="0">
-                <a:latin typeface="Times New Roman" panose="02020603050405020304" pitchFamily="18" charset="0"/>
-                <a:cs typeface="Times New Roman" panose="02020603050405020304" pitchFamily="18" charset="0"/>
-              </a:rPr>
-              <a:t>Neurons)</a:t>
+              <a:t>Hidden Layer 3 (32 Neurons)</a:t>
             </a:r>
           </a:p>
         </p:txBody>
@@ -4588,21 +4543,7 @@
                 <a:latin typeface="Times New Roman" panose="02020603050405020304" pitchFamily="18" charset="0"/>
                 <a:cs typeface="Times New Roman" panose="02020603050405020304" pitchFamily="18" charset="0"/>
               </a:rPr>
-              <a:t>Hidden Layer </a:t>
-            </a:r>
-            <a:r>
-              <a:rPr lang="en-US" sz="1600" dirty="0" smtClean="0">
-                <a:latin typeface="Times New Roman" panose="02020603050405020304" pitchFamily="18" charset="0"/>
-                <a:cs typeface="Times New Roman" panose="02020603050405020304" pitchFamily="18" charset="0"/>
-              </a:rPr>
-              <a:t>4 (16 </a:t>
-            </a:r>
-            <a:r>
-              <a:rPr lang="en-US" sz="1600" dirty="0">
-                <a:latin typeface="Times New Roman" panose="02020603050405020304" pitchFamily="18" charset="0"/>
-                <a:cs typeface="Times New Roman" panose="02020603050405020304" pitchFamily="18" charset="0"/>
-              </a:rPr>
-              <a:t>Neurons)</a:t>
+              <a:t>Hidden Layer 4 (16 Neurons)</a:t>
             </a:r>
           </a:p>
         </p:txBody>
@@ -15207,6 +15148,94 @@
           </a:fontRef>
         </p:style>
       </p:cxnSp>
+      <p:pic>
+        <p:nvPicPr>
+          <p:cNvPr id="2" name="Picture 1" descr="A screenshot of a cell phone&#10;&#10;Description automatically generated">
+            <a:extLst>
+              <a:ext uri="{FF2B5EF4-FFF2-40B4-BE49-F238E27FC236}">
+                <a16:creationId xmlns:a16="http://schemas.microsoft.com/office/drawing/2014/main" id="{F3737514-658B-DE5C-5E1C-4726E7A9F6E9}"/>
+              </a:ext>
+            </a:extLst>
+          </p:cNvPr>
+          <p:cNvPicPr>
+            <a:picLocks noChangeAspect="1"/>
+          </p:cNvPicPr>
+          <p:nvPr/>
+        </p:nvPicPr>
+        <p:blipFill rotWithShape="1">
+          <a:blip r:embed="rId3">
+            <a:extLst>
+              <a:ext uri="{28A0092B-C50C-407E-A947-70E740481C1C}">
+                <a14:useLocalDpi xmlns:a14="http://schemas.microsoft.com/office/drawing/2010/main" val="0"/>
+              </a:ext>
+            </a:extLst>
+          </a:blip>
+          <a:srcRect l="-3975" t="-2882" r="-10632" b="-3745"/>
+          <a:stretch/>
+        </p:blipFill>
+        <p:spPr bwMode="auto">
+          <a:xfrm>
+            <a:off x="9595482" y="1408747"/>
+            <a:ext cx="2690309" cy="3452304"/>
+          </a:xfrm>
+          <a:prstGeom prst="rect">
+            <a:avLst/>
+          </a:prstGeom>
+          <a:ln>
+            <a:noFill/>
+          </a:ln>
+          <a:extLst>
+            <a:ext uri="{53640926-AAD7-44D8-BBD7-CCE9431645EC}">
+              <a14:shadowObscured xmlns:a14="http://schemas.microsoft.com/office/drawing/2010/main"/>
+            </a:ext>
+          </a:extLst>
+        </p:spPr>
+      </p:pic>
+      <p:sp>
+        <p:nvSpPr>
+          <p:cNvPr id="3" name="TextBox 2">
+            <a:extLst>
+              <a:ext uri="{FF2B5EF4-FFF2-40B4-BE49-F238E27FC236}">
+                <a16:creationId xmlns:a16="http://schemas.microsoft.com/office/drawing/2014/main" id="{C6026488-1EF8-2CB4-C23B-AC2CE79FA70E}"/>
+              </a:ext>
+            </a:extLst>
+          </p:cNvPr>
+          <p:cNvSpPr txBox="1"/>
+          <p:nvPr/>
+        </p:nvSpPr>
+        <p:spPr>
+          <a:xfrm>
+            <a:off x="10146631" y="4835909"/>
+            <a:ext cx="2045369" cy="338554"/>
+          </a:xfrm>
+          <a:prstGeom prst="rect">
+            <a:avLst/>
+          </a:prstGeom>
+          <a:noFill/>
+        </p:spPr>
+        <p:txBody>
+          <a:bodyPr wrap="square" rtlCol="0">
+            <a:spAutoFit/>
+          </a:bodyPr>
+          <a:lstStyle>
+            <a:defPPr>
+              <a:defRPr lang="en-US"/>
+            </a:defPPr>
+            <a:lvl1pPr algn="ctr">
+              <a:defRPr sz="1600">
+                <a:latin typeface="Times New Roman" panose="02020603050405020304" pitchFamily="18" charset="0"/>
+                <a:cs typeface="Times New Roman" panose="02020603050405020304" pitchFamily="18" charset="0"/>
+              </a:defRPr>
+            </a:lvl1pPr>
+          </a:lstStyle>
+          <a:p>
+            <a:r>
+              <a:rPr lang="en-US" dirty="0"/>
+              <a:t>Layer architecture</a:t>
+            </a:r>
+          </a:p>
+        </p:txBody>
+      </p:sp>
     </p:spTree>
     <p:extLst>
       <p:ext uri="{BB962C8B-B14F-4D97-AF65-F5344CB8AC3E}">
@@ -15221,6 +15250,66 @@
 </file>
 
 <file path=ppt/slides/slide2.xml><?xml version="1.0" encoding="utf-8"?>
+<p:sld xmlns:a="http://schemas.openxmlformats.org/drawingml/2006/main" xmlns:r="http://schemas.openxmlformats.org/officeDocument/2006/relationships" xmlns:p="http://schemas.openxmlformats.org/presentationml/2006/main">
+  <p:cSld>
+    <p:spTree>
+      <p:nvGrpSpPr>
+        <p:cNvPr id="1" name=""/>
+        <p:cNvGrpSpPr/>
+        <p:nvPr/>
+      </p:nvGrpSpPr>
+      <p:grpSpPr>
+        <a:xfrm>
+          <a:off x="0" y="0"/>
+          <a:ext cx="0" cy="0"/>
+          <a:chOff x="0" y="0"/>
+          <a:chExt cx="0" cy="0"/>
+        </a:xfrm>
+      </p:grpSpPr>
+      <p:pic>
+        <p:nvPicPr>
+          <p:cNvPr id="2" name="Picture 1">
+            <a:extLst>
+              <a:ext uri="{FF2B5EF4-FFF2-40B4-BE49-F238E27FC236}">
+                <a16:creationId xmlns:a16="http://schemas.microsoft.com/office/drawing/2014/main" id="{F91C9AF4-0681-5DAB-1AA2-20E0F42D4C49}"/>
+              </a:ext>
+            </a:extLst>
+          </p:cNvPr>
+          <p:cNvPicPr>
+            <a:picLocks noChangeAspect="1"/>
+          </p:cNvPicPr>
+          <p:nvPr/>
+        </p:nvPicPr>
+        <p:blipFill>
+          <a:blip r:embed="rId2"/>
+          <a:stretch>
+            <a:fillRect/>
+          </a:stretch>
+        </p:blipFill>
+        <p:spPr>
+          <a:xfrm>
+            <a:off x="51404" y="0"/>
+            <a:ext cx="12089191" cy="6858000"/>
+          </a:xfrm>
+          <a:prstGeom prst="rect">
+            <a:avLst/>
+          </a:prstGeom>
+        </p:spPr>
+      </p:pic>
+    </p:spTree>
+    <p:extLst>
+      <p:ext uri="{BB962C8B-B14F-4D97-AF65-F5344CB8AC3E}">
+        <p14:creationId xmlns:p14="http://schemas.microsoft.com/office/powerpoint/2010/main" val="1702568692"/>
+      </p:ext>
+    </p:extLst>
+  </p:cSld>
+  <p:clrMapOvr>
+    <a:masterClrMapping/>
+  </p:clrMapOvr>
+</p:sld>
+</file>
+
+<file path=ppt/slides/slide3.xml><?xml version="1.0" encoding="utf-8"?>
 <p:sld xmlns:a="http://schemas.openxmlformats.org/drawingml/2006/main" xmlns:r="http://schemas.openxmlformats.org/officeDocument/2006/relationships" xmlns:p="http://schemas.openxmlformats.org/presentationml/2006/main">
   <p:cSld>
     <p:spTree>
